--- a/images/cover-wings-pharmapk.pptx
+++ b/images/cover-wings-pharmapk.pptx
@@ -266,7 +266,7 @@
           <a:p>
             <a:fld id="{841E8393-F563-43E9-82DD-B243152791BF}" type="datetimeFigureOut">
               <a:rPr lang="en-US" smtClean="0"/>
-              <a:t>8/24/21</a:t>
+              <a:t>9/2/21</a:t>
             </a:fld>
             <a:endParaRPr lang="en-US"/>
           </a:p>
@@ -436,7 +436,7 @@
           <a:p>
             <a:fld id="{841E8393-F563-43E9-82DD-B243152791BF}" type="datetimeFigureOut">
               <a:rPr lang="en-US" smtClean="0"/>
-              <a:t>8/24/21</a:t>
+              <a:t>9/2/21</a:t>
             </a:fld>
             <a:endParaRPr lang="en-US"/>
           </a:p>
@@ -616,7 +616,7 @@
           <a:p>
             <a:fld id="{841E8393-F563-43E9-82DD-B243152791BF}" type="datetimeFigureOut">
               <a:rPr lang="en-US" smtClean="0"/>
-              <a:t>8/24/21</a:t>
+              <a:t>9/2/21</a:t>
             </a:fld>
             <a:endParaRPr lang="en-US"/>
           </a:p>
@@ -786,7 +786,7 @@
           <a:p>
             <a:fld id="{841E8393-F563-43E9-82DD-B243152791BF}" type="datetimeFigureOut">
               <a:rPr lang="en-US" smtClean="0"/>
-              <a:t>8/24/21</a:t>
+              <a:t>9/2/21</a:t>
             </a:fld>
             <a:endParaRPr lang="en-US"/>
           </a:p>
@@ -1032,7 +1032,7 @@
           <a:p>
             <a:fld id="{841E8393-F563-43E9-82DD-B243152791BF}" type="datetimeFigureOut">
               <a:rPr lang="en-US" smtClean="0"/>
-              <a:t>8/24/21</a:t>
+              <a:t>9/2/21</a:t>
             </a:fld>
             <a:endParaRPr lang="en-US"/>
           </a:p>
@@ -1264,7 +1264,7 @@
           <a:p>
             <a:fld id="{841E8393-F563-43E9-82DD-B243152791BF}" type="datetimeFigureOut">
               <a:rPr lang="en-US" smtClean="0"/>
-              <a:t>8/24/21</a:t>
+              <a:t>9/2/21</a:t>
             </a:fld>
             <a:endParaRPr lang="en-US"/>
           </a:p>
@@ -1631,7 +1631,7 @@
           <a:p>
             <a:fld id="{841E8393-F563-43E9-82DD-B243152791BF}" type="datetimeFigureOut">
               <a:rPr lang="en-US" smtClean="0"/>
-              <a:t>8/24/21</a:t>
+              <a:t>9/2/21</a:t>
             </a:fld>
             <a:endParaRPr lang="en-US"/>
           </a:p>
@@ -1749,7 +1749,7 @@
           <a:p>
             <a:fld id="{841E8393-F563-43E9-82DD-B243152791BF}" type="datetimeFigureOut">
               <a:rPr lang="en-US" smtClean="0"/>
-              <a:t>8/24/21</a:t>
+              <a:t>9/2/21</a:t>
             </a:fld>
             <a:endParaRPr lang="en-US"/>
           </a:p>
@@ -1844,7 +1844,7 @@
           <a:p>
             <a:fld id="{841E8393-F563-43E9-82DD-B243152791BF}" type="datetimeFigureOut">
               <a:rPr lang="en-US" smtClean="0"/>
-              <a:t>8/24/21</a:t>
+              <a:t>9/2/21</a:t>
             </a:fld>
             <a:endParaRPr lang="en-US"/>
           </a:p>
@@ -2121,7 +2121,7 @@
           <a:p>
             <a:fld id="{841E8393-F563-43E9-82DD-B243152791BF}" type="datetimeFigureOut">
               <a:rPr lang="en-US" smtClean="0"/>
-              <a:t>8/24/21</a:t>
+              <a:t>9/2/21</a:t>
             </a:fld>
             <a:endParaRPr lang="en-US"/>
           </a:p>
@@ -2378,7 +2378,7 @@
           <a:p>
             <a:fld id="{841E8393-F563-43E9-82DD-B243152791BF}" type="datetimeFigureOut">
               <a:rPr lang="en-US" smtClean="0"/>
-              <a:t>8/24/21</a:t>
+              <a:t>9/2/21</a:t>
             </a:fld>
             <a:endParaRPr lang="en-US"/>
           </a:p>
@@ -2591,7 +2591,7 @@
           <a:p>
             <a:fld id="{841E8393-F563-43E9-82DD-B243152791BF}" type="datetimeFigureOut">
               <a:rPr lang="en-US" smtClean="0"/>
-              <a:t>8/24/21</a:t>
+              <a:t>9/2/21</a:t>
             </a:fld>
             <a:endParaRPr lang="en-US"/>
           </a:p>
@@ -3591,6 +3591,13 @@
               </a:rPr>
               <a:t>신약개발을 위한 실전 약동학</a:t>
             </a:r>
+            <a:r>
+              <a:rPr lang="en-US" altLang="ko-Kore-KR" sz="2800" b="1" dirty="0">
+                <a:latin typeface="NanumBarunGothic" panose="020B0603020101020101" pitchFamily="34" charset="-127"/>
+                <a:ea typeface="NanumBarunGothic" panose="020B0603020101020101" pitchFamily="34" charset="-127"/>
+              </a:rPr>
+              <a:t> I</a:t>
+            </a:r>
             <a:br>
               <a:rPr lang="en-US" altLang="ko-Kore-KR" sz="2800" b="1" dirty="0">
                 <a:latin typeface="NanumBarunGothic" panose="020B0603020101020101" pitchFamily="34" charset="-127"/>
@@ -3602,7 +3609,7 @@
                 <a:latin typeface="NanumBarunGothic" panose="020B0603020101020101" pitchFamily="34" charset="-127"/>
                 <a:ea typeface="NanumBarunGothic" panose="020B0603020101020101" pitchFamily="34" charset="-127"/>
               </a:rPr>
-              <a:t>(I-</a:t>
+              <a:t>(</a:t>
             </a:r>
             <a:r>
               <a:rPr lang="ko-KR" altLang="ko-Kore-KR" sz="2800" b="1" dirty="0">
@@ -3654,7 +3661,7 @@
                 <a:latin typeface="NanumBarunGothic" panose="020B0603020101020101" pitchFamily="34" charset="-127"/>
                 <a:ea typeface="NanumBarunGothic" panose="020B0603020101020101" pitchFamily="34" charset="-127"/>
               </a:rPr>
-              <a:t> for Pharmaceutical Scientists </a:t>
+              <a:t> for Pharmaceutical Scientists I</a:t>
             </a:r>
             <a:br>
               <a:rPr lang="en-US" altLang="ko-Kore-KR" sz="2000" dirty="0">
@@ -3667,7 +3674,7 @@
                 <a:latin typeface="NanumBarunGothic" panose="020B0603020101020101" pitchFamily="34" charset="-127"/>
                 <a:ea typeface="NanumBarunGothic" panose="020B0603020101020101" pitchFamily="34" charset="-127"/>
               </a:rPr>
-              <a:t>(I-Principles and Data Analysis)</a:t>
+              <a:t>(Principles and Data Analysis)</a:t>
             </a:r>
             <a:endParaRPr lang="en-US" altLang="ko-KR" sz="2000" dirty="0">
               <a:latin typeface="NanumBarunGothic" panose="020B0603020101020101" pitchFamily="34" charset="-127"/>

--- a/images/cover-wings-pharmapk.pptx
+++ b/images/cover-wings-pharmapk.pptx
@@ -6,19 +6,18 @@
   </p:sldMasterIdLst>
   <p:sldIdLst>
     <p:sldId id="256" r:id="rId2"/>
-    <p:sldId id="257" r:id="rId3"/>
   </p:sldIdLst>
   <p:sldSz cx="37296725" cy="15552738"/>
   <p:notesSz cx="6858000" cy="9144000"/>
   <p:embeddedFontLst>
     <p:embeddedFont>
       <p:font typeface="KoPub돋움체 Medium" pitchFamily="2" charset="-127"/>
-      <p:regular r:id="rId4"/>
+      <p:regular r:id="rId3"/>
     </p:embeddedFont>
     <p:embeddedFont>
       <p:font typeface="NanumBarunGothic" panose="020B0603020101020101" pitchFamily="34" charset="-127"/>
-      <p:regular r:id="rId5"/>
-      <p:bold r:id="rId6"/>
+      <p:regular r:id="rId4"/>
+      <p:bold r:id="rId5"/>
     </p:embeddedFont>
   </p:embeddedFontLst>
   <p:defaultTextStyle>
@@ -266,7 +265,7 @@
           <a:p>
             <a:fld id="{841E8393-F563-43E9-82DD-B243152791BF}" type="datetimeFigureOut">
               <a:rPr lang="en-US" smtClean="0"/>
-              <a:t>9/2/21</a:t>
+              <a:t>9/16/21</a:t>
             </a:fld>
             <a:endParaRPr lang="en-US"/>
           </a:p>
@@ -436,7 +435,7 @@
           <a:p>
             <a:fld id="{841E8393-F563-43E9-82DD-B243152791BF}" type="datetimeFigureOut">
               <a:rPr lang="en-US" smtClean="0"/>
-              <a:t>9/2/21</a:t>
+              <a:t>9/16/21</a:t>
             </a:fld>
             <a:endParaRPr lang="en-US"/>
           </a:p>
@@ -616,7 +615,7 @@
           <a:p>
             <a:fld id="{841E8393-F563-43E9-82DD-B243152791BF}" type="datetimeFigureOut">
               <a:rPr lang="en-US" smtClean="0"/>
-              <a:t>9/2/21</a:t>
+              <a:t>9/16/21</a:t>
             </a:fld>
             <a:endParaRPr lang="en-US"/>
           </a:p>
@@ -786,7 +785,7 @@
           <a:p>
             <a:fld id="{841E8393-F563-43E9-82DD-B243152791BF}" type="datetimeFigureOut">
               <a:rPr lang="en-US" smtClean="0"/>
-              <a:t>9/2/21</a:t>
+              <a:t>9/16/21</a:t>
             </a:fld>
             <a:endParaRPr lang="en-US"/>
           </a:p>
@@ -1032,7 +1031,7 @@
           <a:p>
             <a:fld id="{841E8393-F563-43E9-82DD-B243152791BF}" type="datetimeFigureOut">
               <a:rPr lang="en-US" smtClean="0"/>
-              <a:t>9/2/21</a:t>
+              <a:t>9/16/21</a:t>
             </a:fld>
             <a:endParaRPr lang="en-US"/>
           </a:p>
@@ -1264,7 +1263,7 @@
           <a:p>
             <a:fld id="{841E8393-F563-43E9-82DD-B243152791BF}" type="datetimeFigureOut">
               <a:rPr lang="en-US" smtClean="0"/>
-              <a:t>9/2/21</a:t>
+              <a:t>9/16/21</a:t>
             </a:fld>
             <a:endParaRPr lang="en-US"/>
           </a:p>
@@ -1631,7 +1630,7 @@
           <a:p>
             <a:fld id="{841E8393-F563-43E9-82DD-B243152791BF}" type="datetimeFigureOut">
               <a:rPr lang="en-US" smtClean="0"/>
-              <a:t>9/2/21</a:t>
+              <a:t>9/16/21</a:t>
             </a:fld>
             <a:endParaRPr lang="en-US"/>
           </a:p>
@@ -1749,7 +1748,7 @@
           <a:p>
             <a:fld id="{841E8393-F563-43E9-82DD-B243152791BF}" type="datetimeFigureOut">
               <a:rPr lang="en-US" smtClean="0"/>
-              <a:t>9/2/21</a:t>
+              <a:t>9/16/21</a:t>
             </a:fld>
             <a:endParaRPr lang="en-US"/>
           </a:p>
@@ -1844,7 +1843,7 @@
           <a:p>
             <a:fld id="{841E8393-F563-43E9-82DD-B243152791BF}" type="datetimeFigureOut">
               <a:rPr lang="en-US" smtClean="0"/>
-              <a:t>9/2/21</a:t>
+              <a:t>9/16/21</a:t>
             </a:fld>
             <a:endParaRPr lang="en-US"/>
           </a:p>
@@ -2121,7 +2120,7 @@
           <a:p>
             <a:fld id="{841E8393-F563-43E9-82DD-B243152791BF}" type="datetimeFigureOut">
               <a:rPr lang="en-US" smtClean="0"/>
-              <a:t>9/2/21</a:t>
+              <a:t>9/16/21</a:t>
             </a:fld>
             <a:endParaRPr lang="en-US"/>
           </a:p>
@@ -2378,7 +2377,7 @@
           <a:p>
             <a:fld id="{841E8393-F563-43E9-82DD-B243152791BF}" type="datetimeFigureOut">
               <a:rPr lang="en-US" smtClean="0"/>
-              <a:t>9/2/21</a:t>
+              <a:t>9/16/21</a:t>
             </a:fld>
             <a:endParaRPr lang="en-US"/>
           </a:p>
@@ -2591,7 +2590,7 @@
           <a:p>
             <a:fld id="{841E8393-F563-43E9-82DD-B243152791BF}" type="datetimeFigureOut">
               <a:rPr lang="en-US" smtClean="0"/>
-              <a:t>9/2/21</a:t>
+              <a:t>9/16/21</a:t>
             </a:fld>
             <a:endParaRPr lang="en-US"/>
           </a:p>
@@ -2996,72 +2995,42 @@
           <a:chExt cx="0" cy="0"/>
         </a:xfrm>
       </p:grpSpPr>
-      <p:sp>
-        <p:nvSpPr>
-          <p:cNvPr id="3" name="직사각형 2">
+      <p:pic>
+        <p:nvPicPr>
+          <p:cNvPr id="14" name="그림 13">
             <a:extLst>
               <a:ext uri="{FF2B5EF4-FFF2-40B4-BE49-F238E27FC236}">
-                <a16:creationId xmlns:a16="http://schemas.microsoft.com/office/drawing/2014/main" id="{C73E855C-4E2B-5D4A-9F43-C3E4CABC1A8B}"/>
+                <a16:creationId xmlns:a16="http://schemas.microsoft.com/office/drawing/2014/main" id="{C1BDFD70-F1F4-7D48-AB32-CBD1C31F049F}"/>
               </a:ext>
             </a:extLst>
           </p:cNvPr>
-          <p:cNvSpPr/>
+          <p:cNvPicPr>
+            <a:picLocks noChangeAspect="1"/>
+          </p:cNvPicPr>
           <p:nvPr/>
-        </p:nvSpPr>
+        </p:nvPicPr>
+        <p:blipFill>
+          <a:blip r:embed="rId2">
+            <a:extLst>
+              <a:ext uri="{28A0092B-C50C-407E-A947-70E740481C1C}">
+                <a14:useLocalDpi xmlns:a14="http://schemas.microsoft.com/office/drawing/2010/main" val="0"/>
+              </a:ext>
+            </a:extLst>
+          </a:blip>
+          <a:stretch>
+            <a:fillRect/>
+          </a:stretch>
+        </p:blipFill>
         <p:spPr>
           <a:xfrm>
-            <a:off x="7419610" y="152186"/>
-            <a:ext cx="22469779" cy="15248365"/>
+            <a:off x="7491412" y="12911"/>
+            <a:ext cx="22313900" cy="15240000"/>
           </a:xfrm>
           <a:prstGeom prst="rect">
             <a:avLst/>
           </a:prstGeom>
-          <a:solidFill>
-            <a:srgbClr val="00B0F0"/>
-          </a:solidFill>
         </p:spPr>
-        <p:style>
-          <a:lnRef idx="2">
-            <a:schemeClr val="accent1">
-              <a:shade val="50000"/>
-            </a:schemeClr>
-          </a:lnRef>
-          <a:fillRef idx="1">
-            <a:schemeClr val="accent1"/>
-          </a:fillRef>
-          <a:effectRef idx="0">
-            <a:schemeClr val="accent1"/>
-          </a:effectRef>
-          <a:fontRef idx="minor">
-            <a:schemeClr val="lt1"/>
-          </a:fontRef>
-        </p:style>
-        <p:txBody>
-          <a:bodyPr rtlCol="0" anchor="ctr"/>
-          <a:lstStyle/>
-          <a:p>
-            <a:pPr algn="ctr"/>
-            <a:r>
-              <a:rPr kumimoji="1" lang="ko-Kore-KR" altLang="en-US" sz="5400" dirty="0">
-                <a:latin typeface="NanumBarunGothic" panose="020B0603020101020101" pitchFamily="34" charset="-127"/>
-                <a:ea typeface="NanumBarunGothic" panose="020B0603020101020101" pitchFamily="34" charset="-127"/>
-              </a:rPr>
-              <a:t>표지</a:t>
-            </a:r>
-            <a:r>
-              <a:rPr kumimoji="1" lang="ko-KR" altLang="en-US" sz="5400" dirty="0">
-                <a:latin typeface="NanumBarunGothic" panose="020B0603020101020101" pitchFamily="34" charset="-127"/>
-                <a:ea typeface="NanumBarunGothic" panose="020B0603020101020101" pitchFamily="34" charset="-127"/>
-              </a:rPr>
-              <a:t> 삽입 위치</a:t>
-            </a:r>
-            <a:endParaRPr kumimoji="1" lang="ko-Kore-KR" altLang="en-US" sz="5400" dirty="0">
-              <a:latin typeface="NanumBarunGothic" panose="020B0603020101020101" pitchFamily="34" charset="-127"/>
-              <a:ea typeface="NanumBarunGothic" panose="020B0603020101020101" pitchFamily="34" charset="-127"/>
-            </a:endParaRPr>
-          </a:p>
-        </p:txBody>
-      </p:sp>
+      </p:pic>
       <p:sp>
         <p:nvSpPr>
           <p:cNvPr id="18" name="Rectangle 17">
@@ -3542,7 +3511,7 @@
                 <a:latin typeface="NanumBarunGothic" panose="020B0603020101020101" pitchFamily="34" charset="-127"/>
                 <a:ea typeface="NanumBarunGothic" panose="020B0603020101020101" pitchFamily="34" charset="-127"/>
               </a:rPr>
-              <a:t>lms.pipet.or.kr</a:t>
+              <a:t>www.pipetlms.or.kr</a:t>
             </a:r>
             <a:endParaRPr lang="en-US" altLang="ko-Kore-KR" sz="1999" dirty="0">
               <a:latin typeface="NanumBarunGothic" panose="020B0603020101020101" pitchFamily="34" charset="-127"/>
@@ -3922,7 +3891,7 @@
           <p:nvPr/>
         </p:nvPicPr>
         <p:blipFill>
-          <a:blip r:embed="rId2">
+          <a:blip r:embed="rId3">
             <a:clrChange>
               <a:clrFrom>
                 <a:srgbClr val="FAFAFA"/>
@@ -3933,6 +3902,11 @@
                 </a:srgbClr>
               </a:clrTo>
             </a:clrChange>
+            <a:extLst>
+              <a:ext uri="{28A0092B-C50C-407E-A947-70E740481C1C}">
+                <a14:useLocalDpi xmlns:a14="http://schemas.microsoft.com/office/drawing/2010/main" val="0"/>
+              </a:ext>
+            </a:extLst>
           </a:blip>
           <a:stretch>
             <a:fillRect/>
@@ -3963,7 +3937,13 @@
           <p:nvPr/>
         </p:nvPicPr>
         <p:blipFill>
-          <a:blip r:embed="rId3"/>
+          <a:blip r:embed="rId4">
+            <a:extLst>
+              <a:ext uri="{28A0092B-C50C-407E-A947-70E740481C1C}">
+                <a14:useLocalDpi xmlns:a14="http://schemas.microsoft.com/office/drawing/2010/main" val="0"/>
+              </a:ext>
+            </a:extLst>
+          </a:blip>
           <a:stretch>
             <a:fillRect/>
           </a:stretch>
@@ -4044,149 +4024,163 @@
             </a:endParaRPr>
           </a:p>
           <a:p>
+            <a:pPr>
+              <a:lnSpc>
+                <a:spcPct val="150000"/>
+              </a:lnSpc>
+            </a:pPr>
+            <a:r>
+              <a:rPr lang="ko-KR" altLang="en-US" dirty="0">
+                <a:latin typeface="NanumBarunGothic" panose="020B0603020101020101" pitchFamily="34" charset="-127"/>
+                <a:ea typeface="NanumBarunGothic" panose="020B0603020101020101" pitchFamily="34" charset="-127"/>
+              </a:rPr>
+              <a:t>혼합효과모델링</a:t>
+            </a:r>
+            <a:r>
+              <a:rPr lang="en-US" altLang="ko-KR" dirty="0">
+                <a:latin typeface="NanumBarunGothic" panose="020B0603020101020101" pitchFamily="34" charset="-127"/>
+                <a:ea typeface="NanumBarunGothic" panose="020B0603020101020101" pitchFamily="34" charset="-127"/>
+              </a:rPr>
+              <a:t> </a:t>
+            </a:r>
+            <a:r>
+              <a:rPr lang="ko-KR" altLang="en-US" dirty="0">
+                <a:latin typeface="NanumBarunGothic" panose="020B0603020101020101" pitchFamily="34" charset="-127"/>
+                <a:ea typeface="NanumBarunGothic" panose="020B0603020101020101" pitchFamily="34" charset="-127"/>
+              </a:rPr>
+              <a:t>기법을</a:t>
+            </a:r>
+            <a:r>
+              <a:rPr lang="en-US" altLang="ko-KR" dirty="0">
+                <a:latin typeface="NanumBarunGothic" panose="020B0603020101020101" pitchFamily="34" charset="-127"/>
+                <a:ea typeface="NanumBarunGothic" panose="020B0603020101020101" pitchFamily="34" charset="-127"/>
+              </a:rPr>
+              <a:t> </a:t>
+            </a:r>
+            <a:r>
+              <a:rPr lang="ko-KR" altLang="en-US" dirty="0">
+                <a:latin typeface="NanumBarunGothic" panose="020B0603020101020101" pitchFamily="34" charset="-127"/>
+                <a:ea typeface="NanumBarunGothic" panose="020B0603020101020101" pitchFamily="34" charset="-127"/>
+              </a:rPr>
+              <a:t>가르치는</a:t>
+            </a:r>
+            <a:r>
+              <a:rPr lang="en-US" altLang="ko-KR" dirty="0">
+                <a:latin typeface="NanumBarunGothic" panose="020B0603020101020101" pitchFamily="34" charset="-127"/>
+                <a:ea typeface="NanumBarunGothic" panose="020B0603020101020101" pitchFamily="34" charset="-127"/>
+              </a:rPr>
+              <a:t> </a:t>
+            </a:r>
+            <a:r>
+              <a:rPr lang="en-US" altLang="ko-Kore-KR" dirty="0">
+                <a:latin typeface="NanumBarunGothic" panose="020B0603020101020101" pitchFamily="34" charset="-127"/>
+                <a:ea typeface="NanumBarunGothic" panose="020B0603020101020101" pitchFamily="34" charset="-127"/>
+              </a:rPr>
+              <a:t>PK/PD </a:t>
+            </a:r>
+            <a:r>
+              <a:rPr lang="ko-KR" altLang="en-US" dirty="0">
+                <a:latin typeface="NanumBarunGothic" panose="020B0603020101020101" pitchFamily="34" charset="-127"/>
+                <a:ea typeface="NanumBarunGothic" panose="020B0603020101020101" pitchFamily="34" charset="-127"/>
+              </a:rPr>
+              <a:t>워크샵을</a:t>
+            </a:r>
+            <a:r>
+              <a:rPr lang="en-US" altLang="ko-KR" dirty="0">
+                <a:latin typeface="NanumBarunGothic" panose="020B0603020101020101" pitchFamily="34" charset="-127"/>
+                <a:ea typeface="NanumBarunGothic" panose="020B0603020101020101" pitchFamily="34" charset="-127"/>
+              </a:rPr>
+              <a:t> </a:t>
+            </a:r>
+            <a:r>
+              <a:rPr lang="ko-KR" altLang="en-US" dirty="0">
+                <a:latin typeface="NanumBarunGothic" panose="020B0603020101020101" pitchFamily="34" charset="-127"/>
+                <a:ea typeface="NanumBarunGothic" panose="020B0603020101020101" pitchFamily="34" charset="-127"/>
+              </a:rPr>
+              <a:t>십여 년간 개최한 교육의 경험을 바탕으로</a:t>
+            </a:r>
+            <a:r>
+              <a:rPr lang="en-US" altLang="ko-KR" dirty="0">
+                <a:latin typeface="NanumBarunGothic" panose="020B0603020101020101" pitchFamily="34" charset="-127"/>
+                <a:ea typeface="NanumBarunGothic" panose="020B0603020101020101" pitchFamily="34" charset="-127"/>
+              </a:rPr>
+              <a:t>,</a:t>
+            </a:r>
+            <a:r>
+              <a:rPr lang="ko-KR" altLang="en-US" dirty="0">
+                <a:latin typeface="NanumBarunGothic" panose="020B0603020101020101" pitchFamily="34" charset="-127"/>
+                <a:ea typeface="NanumBarunGothic" panose="020B0603020101020101" pitchFamily="34" charset="-127"/>
+              </a:rPr>
+              <a:t> 국내에서 </a:t>
+            </a:r>
+            <a:r>
+              <a:rPr lang="ko-KR" altLang="en-US" dirty="0" err="1">
+                <a:latin typeface="NanumBarunGothic" panose="020B0603020101020101" pitchFamily="34" charset="-127"/>
+                <a:ea typeface="NanumBarunGothic" panose="020B0603020101020101" pitchFamily="34" charset="-127"/>
+              </a:rPr>
+              <a:t>입문자들이</a:t>
+            </a:r>
+            <a:r>
+              <a:rPr lang="ko-KR" altLang="en-US" dirty="0">
+                <a:latin typeface="NanumBarunGothic" panose="020B0603020101020101" pitchFamily="34" charset="-127"/>
+                <a:ea typeface="NanumBarunGothic" panose="020B0603020101020101" pitchFamily="34" charset="-127"/>
+              </a:rPr>
+              <a:t> 보다 쉽게 이해하고 따라갈 수 있도록 워크샵의 </a:t>
+            </a:r>
+            <a:r>
+              <a:rPr lang="en-US" altLang="ko-KR" dirty="0">
+                <a:latin typeface="NanumBarunGothic" panose="020B0603020101020101" pitchFamily="34" charset="-127"/>
+                <a:ea typeface="NanumBarunGothic" panose="020B0603020101020101" pitchFamily="34" charset="-127"/>
+              </a:rPr>
+              <a:t>basic-1</a:t>
+            </a:r>
+            <a:r>
+              <a:rPr lang="ko-KR" altLang="en-US" dirty="0">
+                <a:latin typeface="NanumBarunGothic" panose="020B0603020101020101" pitchFamily="34" charset="-127"/>
+                <a:ea typeface="NanumBarunGothic" panose="020B0603020101020101" pitchFamily="34" charset="-127"/>
+              </a:rPr>
+              <a:t>과 </a:t>
+            </a:r>
+            <a:r>
+              <a:rPr lang="en-US" altLang="ko-KR" dirty="0">
+                <a:latin typeface="NanumBarunGothic" panose="020B0603020101020101" pitchFamily="34" charset="-127"/>
+                <a:ea typeface="NanumBarunGothic" panose="020B0603020101020101" pitchFamily="34" charset="-127"/>
+              </a:rPr>
+              <a:t>2</a:t>
+            </a:r>
+            <a:r>
+              <a:rPr lang="ko-KR" altLang="en-US" dirty="0">
+                <a:latin typeface="NanumBarunGothic" panose="020B0603020101020101" pitchFamily="34" charset="-127"/>
+                <a:ea typeface="NanumBarunGothic" panose="020B0603020101020101" pitchFamily="34" charset="-127"/>
+              </a:rPr>
+              <a:t>의 내용을 고스란히 담았습니다</a:t>
+            </a:r>
+            <a:r>
+              <a:rPr lang="en-US" altLang="ko-KR" dirty="0">
+                <a:latin typeface="NanumBarunGothic" panose="020B0603020101020101" pitchFamily="34" charset="-127"/>
+                <a:ea typeface="NanumBarunGothic" panose="020B0603020101020101" pitchFamily="34" charset="-127"/>
+              </a:rPr>
+              <a:t>.</a:t>
+            </a:r>
+            <a:r>
+              <a:rPr lang="ko-KR" altLang="en-US" dirty="0">
+                <a:latin typeface="NanumBarunGothic" panose="020B0603020101020101" pitchFamily="34" charset="-127"/>
+                <a:ea typeface="NanumBarunGothic" panose="020B0603020101020101" pitchFamily="34" charset="-127"/>
+              </a:rPr>
+              <a:t> </a:t>
+            </a:r>
+            <a:endParaRPr lang="en-US" altLang="ko-KR" dirty="0">
+              <a:latin typeface="NanumBarunGothic" panose="020B0603020101020101" pitchFamily="34" charset="-127"/>
+              <a:ea typeface="NanumBarunGothic" panose="020B0603020101020101" pitchFamily="34" charset="-127"/>
+            </a:endParaRPr>
+          </a:p>
+          <a:p>
             <a:pPr algn="just">
               <a:lnSpc>
                 <a:spcPct val="150000"/>
               </a:lnSpc>
             </a:pPr>
             <a:r>
-              <a:rPr lang="ko-KR" altLang="en-US" dirty="0">
-                <a:latin typeface="NanumBarunGothic" panose="020B0603020101020101" pitchFamily="34" charset="-127"/>
-                <a:ea typeface="NanumBarunGothic" panose="020B0603020101020101" pitchFamily="34" charset="-127"/>
-              </a:rPr>
-              <a:t>혼합효과모델링기법을</a:t>
-            </a:r>
-            <a:r>
-              <a:rPr lang="en-US" altLang="ko-KR" dirty="0">
-                <a:latin typeface="NanumBarunGothic" panose="020B0603020101020101" pitchFamily="34" charset="-127"/>
-                <a:ea typeface="NanumBarunGothic" panose="020B0603020101020101" pitchFamily="34" charset="-127"/>
-              </a:rPr>
-              <a:t> </a:t>
-            </a:r>
-            <a:r>
-              <a:rPr lang="ko-KR" altLang="en-US" dirty="0">
-                <a:latin typeface="NanumBarunGothic" panose="020B0603020101020101" pitchFamily="34" charset="-127"/>
-                <a:ea typeface="NanumBarunGothic" panose="020B0603020101020101" pitchFamily="34" charset="-127"/>
-              </a:rPr>
-              <a:t>가르치는</a:t>
-            </a:r>
-            <a:r>
-              <a:rPr lang="en-US" altLang="ko-KR" dirty="0">
-                <a:latin typeface="NanumBarunGothic" panose="020B0603020101020101" pitchFamily="34" charset="-127"/>
-                <a:ea typeface="NanumBarunGothic" panose="020B0603020101020101" pitchFamily="34" charset="-127"/>
-              </a:rPr>
-              <a:t> </a:t>
-            </a:r>
-            <a:r>
-              <a:rPr lang="en-US" altLang="ko-Kore-KR" dirty="0">
-                <a:latin typeface="NanumBarunGothic" panose="020B0603020101020101" pitchFamily="34" charset="-127"/>
-                <a:ea typeface="NanumBarunGothic" panose="020B0603020101020101" pitchFamily="34" charset="-127"/>
-              </a:rPr>
-              <a:t>PK/PD</a:t>
-            </a:r>
-            <a:r>
-              <a:rPr lang="ko-KR" altLang="en-US" dirty="0">
-                <a:latin typeface="NanumBarunGothic" panose="020B0603020101020101" pitchFamily="34" charset="-127"/>
-                <a:ea typeface="NanumBarunGothic" panose="020B0603020101020101" pitchFamily="34" charset="-127"/>
-              </a:rPr>
-              <a:t>워크샵을</a:t>
-            </a:r>
-            <a:r>
-              <a:rPr lang="en-US" altLang="ko-KR" dirty="0">
-                <a:latin typeface="NanumBarunGothic" panose="020B0603020101020101" pitchFamily="34" charset="-127"/>
-                <a:ea typeface="NanumBarunGothic" panose="020B0603020101020101" pitchFamily="34" charset="-127"/>
-              </a:rPr>
-              <a:t> </a:t>
-            </a:r>
-            <a:r>
-              <a:rPr lang="ko-KR" altLang="en-US" dirty="0">
-                <a:latin typeface="NanumBarunGothic" panose="020B0603020101020101" pitchFamily="34" charset="-127"/>
-                <a:ea typeface="NanumBarunGothic" panose="020B0603020101020101" pitchFamily="34" charset="-127"/>
-              </a:rPr>
-              <a:t>십여 년간 개최한 교육의 경험을 바탕으로</a:t>
-            </a:r>
-            <a:r>
-              <a:rPr lang="en-US" altLang="ko-KR" dirty="0">
-                <a:latin typeface="NanumBarunGothic" panose="020B0603020101020101" pitchFamily="34" charset="-127"/>
-                <a:ea typeface="NanumBarunGothic" panose="020B0603020101020101" pitchFamily="34" charset="-127"/>
-              </a:rPr>
-              <a:t>,</a:t>
-            </a:r>
-            <a:r>
-              <a:rPr lang="ko-KR" altLang="en-US" dirty="0">
-                <a:latin typeface="NanumBarunGothic" panose="020B0603020101020101" pitchFamily="34" charset="-127"/>
-                <a:ea typeface="NanumBarunGothic" panose="020B0603020101020101" pitchFamily="34" charset="-127"/>
-              </a:rPr>
-              <a:t> 국내에서 </a:t>
-            </a:r>
-            <a:r>
-              <a:rPr lang="ko-KR" altLang="en-US" dirty="0" err="1">
-                <a:latin typeface="NanumBarunGothic" panose="020B0603020101020101" pitchFamily="34" charset="-127"/>
-                <a:ea typeface="NanumBarunGothic" panose="020B0603020101020101" pitchFamily="34" charset="-127"/>
-              </a:rPr>
-              <a:t>입문자들이</a:t>
-            </a:r>
-            <a:r>
-              <a:rPr lang="ko-KR" altLang="en-US" dirty="0">
-                <a:latin typeface="NanumBarunGothic" panose="020B0603020101020101" pitchFamily="34" charset="-127"/>
-                <a:ea typeface="NanumBarunGothic" panose="020B0603020101020101" pitchFamily="34" charset="-127"/>
-              </a:rPr>
-              <a:t> 보다 쉽게 이해하고 따라갈 수 있도록 워크샵의 </a:t>
-            </a:r>
-            <a:r>
-              <a:rPr lang="en-US" altLang="ko-KR" dirty="0">
-                <a:latin typeface="NanumBarunGothic" panose="020B0603020101020101" pitchFamily="34" charset="-127"/>
-                <a:ea typeface="NanumBarunGothic" panose="020B0603020101020101" pitchFamily="34" charset="-127"/>
-              </a:rPr>
-              <a:t>basic-1</a:t>
-            </a:r>
-            <a:r>
-              <a:rPr lang="ko-KR" altLang="en-US" dirty="0">
-                <a:latin typeface="NanumBarunGothic" panose="020B0603020101020101" pitchFamily="34" charset="-127"/>
-                <a:ea typeface="NanumBarunGothic" panose="020B0603020101020101" pitchFamily="34" charset="-127"/>
-              </a:rPr>
-              <a:t>과 </a:t>
-            </a:r>
-            <a:r>
-              <a:rPr lang="en-US" altLang="ko-KR" dirty="0">
-                <a:latin typeface="NanumBarunGothic" panose="020B0603020101020101" pitchFamily="34" charset="-127"/>
-                <a:ea typeface="NanumBarunGothic" panose="020B0603020101020101" pitchFamily="34" charset="-127"/>
-              </a:rPr>
-              <a:t>2</a:t>
-            </a:r>
-            <a:r>
-              <a:rPr lang="ko-KR" altLang="en-US" dirty="0">
-                <a:latin typeface="NanumBarunGothic" panose="020B0603020101020101" pitchFamily="34" charset="-127"/>
-                <a:ea typeface="NanumBarunGothic" panose="020B0603020101020101" pitchFamily="34" charset="-127"/>
-              </a:rPr>
-              <a:t>의 내용을 고스란히 담았습니다</a:t>
-            </a:r>
-            <a:r>
-              <a:rPr lang="en-US" altLang="ko-KR" dirty="0">
-                <a:latin typeface="NanumBarunGothic" panose="020B0603020101020101" pitchFamily="34" charset="-127"/>
-                <a:ea typeface="NanumBarunGothic" panose="020B0603020101020101" pitchFamily="34" charset="-127"/>
-              </a:rPr>
-              <a:t>.</a:t>
-            </a:r>
-            <a:r>
-              <a:rPr lang="ko-KR" altLang="en-US" dirty="0">
-                <a:latin typeface="NanumBarunGothic" panose="020B0603020101020101" pitchFamily="34" charset="-127"/>
-                <a:ea typeface="NanumBarunGothic" panose="020B0603020101020101" pitchFamily="34" charset="-127"/>
-              </a:rPr>
-              <a:t> </a:t>
-            </a:r>
-            <a:endParaRPr lang="en-US" altLang="ko-KR" dirty="0">
-              <a:latin typeface="NanumBarunGothic" panose="020B0603020101020101" pitchFamily="34" charset="-127"/>
-              <a:ea typeface="NanumBarunGothic" panose="020B0603020101020101" pitchFamily="34" charset="-127"/>
-            </a:endParaRPr>
-          </a:p>
-          <a:p>
-            <a:pPr algn="just">
-              <a:lnSpc>
-                <a:spcPct val="150000"/>
-              </a:lnSpc>
-            </a:pPr>
-            <a:r>
               <a:rPr lang="en-US" altLang="ko-KR" b="1" dirty="0">
                 <a:latin typeface="NanumBarunGothic" panose="020B0603020101020101" pitchFamily="34" charset="-127"/>
                 <a:ea typeface="NanumBarunGothic" panose="020B0603020101020101" pitchFamily="34" charset="-127"/>
@@ -4279,70 +4273,54 @@
           </a:p>
         </p:txBody>
       </p:sp>
+      <p:sp>
+        <p:nvSpPr>
+          <p:cNvPr id="13" name="TextBox 12">
+            <a:extLst>
+              <a:ext uri="{FF2B5EF4-FFF2-40B4-BE49-F238E27FC236}">
+                <a16:creationId xmlns:a16="http://schemas.microsoft.com/office/drawing/2014/main" id="{F2266670-F7D5-7747-B711-FC1622580C96}"/>
+              </a:ext>
+            </a:extLst>
+          </p:cNvPr>
+          <p:cNvSpPr txBox="1"/>
+          <p:nvPr/>
+        </p:nvSpPr>
+        <p:spPr>
+          <a:xfrm>
+            <a:off x="28957735" y="583324"/>
+            <a:ext cx="829073" cy="369332"/>
+          </a:xfrm>
+          <a:prstGeom prst="rect">
+            <a:avLst/>
+          </a:prstGeom>
+          <a:noFill/>
+        </p:spPr>
+        <p:txBody>
+          <a:bodyPr wrap="none" rtlCol="0">
+            <a:spAutoFit/>
+          </a:bodyPr>
+          <a:lstStyle/>
+          <a:p>
+            <a:r>
+              <a:rPr kumimoji="1" lang="en-US" altLang="ko-Kore-KR" dirty="0">
+                <a:solidFill>
+                  <a:schemeClr val="bg1"/>
+                </a:solidFill>
+              </a:rPr>
+              <a:t>v1.0.0</a:t>
+            </a:r>
+            <a:endParaRPr kumimoji="1" lang="ko-Kore-KR" altLang="en-US" dirty="0">
+              <a:solidFill>
+                <a:schemeClr val="bg1"/>
+              </a:solidFill>
+            </a:endParaRPr>
+          </a:p>
+        </p:txBody>
+      </p:sp>
     </p:spTree>
     <p:extLst>
       <p:ext uri="{BB962C8B-B14F-4D97-AF65-F5344CB8AC3E}">
         <p14:creationId xmlns:p14="http://schemas.microsoft.com/office/powerpoint/2010/main" val="1279835802"/>
-      </p:ext>
-    </p:extLst>
-  </p:cSld>
-  <p:clrMapOvr>
-    <a:masterClrMapping/>
-  </p:clrMapOvr>
-</p:sld>
-</file>
-
-<file path=ppt/slides/slide2.xml><?xml version="1.0" encoding="utf-8"?>
-<p:sld xmlns:a="http://schemas.openxmlformats.org/drawingml/2006/main" xmlns:r="http://schemas.openxmlformats.org/officeDocument/2006/relationships" xmlns:p="http://schemas.openxmlformats.org/presentationml/2006/main">
-  <p:cSld>
-    <p:spTree>
-      <p:nvGrpSpPr>
-        <p:cNvPr id="1" name=""/>
-        <p:cNvGrpSpPr/>
-        <p:nvPr/>
-      </p:nvGrpSpPr>
-      <p:grpSpPr>
-        <a:xfrm>
-          <a:off x="0" y="0"/>
-          <a:ext cx="0" cy="0"/>
-          <a:chOff x="0" y="0"/>
-          <a:chExt cx="0" cy="0"/>
-        </a:xfrm>
-      </p:grpSpPr>
-      <p:pic>
-        <p:nvPicPr>
-          <p:cNvPr id="2" name="그림 1">
-            <a:extLst>
-              <a:ext uri="{FF2B5EF4-FFF2-40B4-BE49-F238E27FC236}">
-                <a16:creationId xmlns:a16="http://schemas.microsoft.com/office/drawing/2014/main" id="{5E033FB6-1472-E246-ADA7-1E789FE6752F}"/>
-              </a:ext>
-            </a:extLst>
-          </p:cNvPr>
-          <p:cNvPicPr>
-            <a:picLocks noChangeAspect="1"/>
-          </p:cNvPicPr>
-          <p:nvPr/>
-        </p:nvPicPr>
-        <p:blipFill>
-          <a:blip r:embed="rId2"/>
-          <a:stretch>
-            <a:fillRect/>
-          </a:stretch>
-        </p:blipFill>
-        <p:spPr>
-          <a:xfrm>
-            <a:off x="10468" y="0"/>
-            <a:ext cx="37275787" cy="15552738"/>
-          </a:xfrm>
-          <a:prstGeom prst="rect">
-            <a:avLst/>
-          </a:prstGeom>
-        </p:spPr>
-      </p:pic>
-    </p:spTree>
-    <p:extLst>
-      <p:ext uri="{BB962C8B-B14F-4D97-AF65-F5344CB8AC3E}">
-        <p14:creationId xmlns:p14="http://schemas.microsoft.com/office/powerpoint/2010/main" val="2428931182"/>
       </p:ext>
     </p:extLst>
   </p:cSld>
